--- a/CASE2.pptx
+++ b/CASE2.pptx
@@ -13,8 +13,8 @@
   <p:sldIdLst>
     <p:sldId id="256" r:id="rId5"/>
     <p:sldId id="257" r:id="rId6"/>
-    <p:sldId id="258" r:id="rId7"/>
-    <p:sldId id="259" r:id="rId8"/>
+    <p:sldId id="259" r:id="rId7"/>
+    <p:sldId id="258" r:id="rId8"/>
     <p:sldId id="260" r:id="rId9"/>
   </p:sldIdLst>
   <p:sldSz cx="12192000" cy="6858000"/>
@@ -230,7 +230,7 @@
           <a:p>
             <a:fld id="{9E88B8F3-31C2-4698-B74C-D5D76CFD8ACD}" type="datetimeFigureOut">
               <a:rPr lang="ru-RU" smtClean="0"/>
-              <a:t>29.04.2020</a:t>
+              <a:t>02.05.2020</a:t>
             </a:fld>
             <a:endParaRPr lang="ru-RU" dirty="0"/>
           </a:p>
@@ -407,7 +407,7 @@
           <a:p>
             <a:fld id="{7000EB3D-2307-4317-8A1D-B47FA45245F0}" type="datetimeFigureOut">
               <a:rPr lang="ru-RU" smtClean="0"/>
-              <a:t>29.04.2020</a:t>
+              <a:t>02.05.2020</a:t>
             </a:fld>
             <a:endParaRPr lang="ru-RU" dirty="0"/>
           </a:p>
@@ -14617,47 +14617,13 @@
         </p:spPr>
         <p:txBody>
           <a:bodyPr>
-            <a:normAutofit/>
+            <a:normAutofit fontScale="90000"/>
           </a:bodyPr>
           <a:lstStyle/>
           <a:p>
             <a:r>
               <a:rPr lang="en-US" dirty="0"/>
-              <a:t>Clustering </a:t>
-            </a:r>
-            <a:endParaRPr lang="ru-RU" dirty="0"/>
-          </a:p>
-        </p:txBody>
-      </p:sp>
-      <p:sp>
-        <p:nvSpPr>
-          <p:cNvPr id="5" name="Text Placeholder 4">
-            <a:extLst>
-              <a:ext uri="{FF2B5EF4-FFF2-40B4-BE49-F238E27FC236}">
-                <a16:creationId xmlns:a16="http://schemas.microsoft.com/office/drawing/2014/main" id="{02A2A374-6D41-4D06-9363-30924664025A}"/>
-              </a:ext>
-            </a:extLst>
-          </p:cNvPr>
-          <p:cNvSpPr>
-            <a:spLocks noGrp="1"/>
-          </p:cNvSpPr>
-          <p:nvPr>
-            <p:ph type="body" sz="quarter" idx="13"/>
-          </p:nvPr>
-        </p:nvSpPr>
-        <p:spPr>
-          <a:xfrm>
-            <a:off x="68113" y="1105718"/>
-            <a:ext cx="4421856" cy="749047"/>
-          </a:xfrm>
-        </p:spPr>
-        <p:txBody>
-          <a:bodyPr/>
-          <a:lstStyle/>
-          <a:p>
-            <a:r>
-              <a:rPr lang="en-US" dirty="0"/>
-              <a:t>…..</a:t>
+              <a:t>Embedding the text</a:t>
             </a:r>
             <a:endParaRPr lang="ru-RU" dirty="0"/>
           </a:p>
@@ -14693,10 +14659,517 @@
           </a:p>
         </p:txBody>
       </p:sp>
+      <p:sp>
+        <p:nvSpPr>
+          <p:cNvPr id="4" name="Rectangle 3">
+            <a:extLst>
+              <a:ext uri="{FF2B5EF4-FFF2-40B4-BE49-F238E27FC236}">
+                <a16:creationId xmlns:a16="http://schemas.microsoft.com/office/drawing/2014/main" id="{1E2194D6-4EF4-4D64-87C2-D6F697B75481}"/>
+              </a:ext>
+            </a:extLst>
+          </p:cNvPr>
+          <p:cNvSpPr/>
+          <p:nvPr/>
+        </p:nvSpPr>
+        <p:spPr>
+          <a:xfrm>
+            <a:off x="279794" y="2162183"/>
+            <a:ext cx="2590774" cy="461665"/>
+          </a:xfrm>
+          <a:prstGeom prst="rect">
+            <a:avLst/>
+          </a:prstGeom>
+        </p:spPr>
+        <p:txBody>
+          <a:bodyPr wrap="none">
+            <a:spAutoFit/>
+          </a:bodyPr>
+          <a:lstStyle/>
+          <a:p>
+            <a:r>
+              <a:rPr lang="en-US" sz="2400" dirty="0">
+                <a:solidFill>
+                  <a:schemeClr val="tx2"/>
+                </a:solidFill>
+              </a:rPr>
+              <a:t>TFIDF embedding</a:t>
+            </a:r>
+            <a:endParaRPr lang="ru-RU" sz="2400" dirty="0">
+              <a:solidFill>
+                <a:schemeClr val="tx2"/>
+              </a:solidFill>
+            </a:endParaRPr>
+          </a:p>
+        </p:txBody>
+      </p:sp>
+      <mc:AlternateContent xmlns:mc="http://schemas.openxmlformats.org/markup-compatibility/2006" xmlns:a14="http://schemas.microsoft.com/office/drawing/2010/main">
+        <mc:Choice Requires="a14">
+          <p:sp>
+            <p:nvSpPr>
+              <p:cNvPr id="6" name="Rectangle 5">
+                <a:extLst>
+                  <a:ext uri="{FF2B5EF4-FFF2-40B4-BE49-F238E27FC236}">
+                    <a16:creationId xmlns:a16="http://schemas.microsoft.com/office/drawing/2014/main" id="{C0D3EC69-3360-4CDA-81A4-E798FE2CB14C}"/>
+                  </a:ext>
+                </a:extLst>
+              </p:cNvPr>
+              <p:cNvSpPr/>
+              <p:nvPr/>
+            </p:nvSpPr>
+            <p:spPr>
+              <a:xfrm>
+                <a:off x="279794" y="2819791"/>
+                <a:ext cx="5228377" cy="2031325"/>
+              </a:xfrm>
+              <a:prstGeom prst="rect">
+                <a:avLst/>
+              </a:prstGeom>
+            </p:spPr>
+            <p:txBody>
+              <a:bodyPr wrap="square">
+                <a:spAutoFit/>
+              </a:bodyPr>
+              <a:lstStyle/>
+              <a:p>
+                <a:r>
+                  <a:rPr lang="en-US" dirty="0">
+                    <a:solidFill>
+                      <a:schemeClr val="bg1"/>
+                    </a:solidFill>
+                  </a:rPr>
+                  <a:t> - Generates a (word x document) matrix </a:t>
+                </a:r>
+              </a:p>
+              <a:p>
+                <a:endParaRPr lang="en-US" dirty="0">
+                  <a:solidFill>
+                    <a:schemeClr val="bg1"/>
+                  </a:solidFill>
+                </a:endParaRPr>
+              </a:p>
+              <a:p>
+                <a:r>
+                  <a:rPr lang="en-US" dirty="0">
+                    <a:solidFill>
+                      <a:schemeClr val="bg1"/>
+                    </a:solidFill>
+                  </a:rPr>
+                  <a:t> - Each entry in the matrix is given by:</a:t>
+                </a:r>
+              </a:p>
+              <a:p>
+                <a:endParaRPr lang="en-US" dirty="0">
+                  <a:solidFill>
+                    <a:schemeClr val="bg1"/>
+                  </a:solidFill>
+                </a:endParaRPr>
+              </a:p>
+              <a:p>
+                <a:pPr/>
+                <a14:m>
+                  <m:oMathPara xmlns:m="http://schemas.openxmlformats.org/officeDocument/2006/math">
+                    <m:oMathParaPr>
+                      <m:jc m:val="centerGroup"/>
+                    </m:oMathParaPr>
+                    <m:oMath xmlns:m="http://schemas.openxmlformats.org/officeDocument/2006/math">
+                      <m:r>
+                        <a:rPr lang="en-US" b="0" i="1" smtClean="0">
+                          <a:solidFill>
+                            <a:schemeClr val="bg1"/>
+                          </a:solidFill>
+                          <a:latin typeface="Cambria Math" panose="02040503050406030204" pitchFamily="18" charset="0"/>
+                        </a:rPr>
+                        <m:t>𝑡𝑓𝑖𝑑𝑓</m:t>
+                      </m:r>
+                      <m:d>
+                        <m:dPr>
+                          <m:ctrlPr>
+                            <a:rPr lang="en-US" b="0" i="1" smtClean="0">
+                              <a:solidFill>
+                                <a:schemeClr val="bg1"/>
+                              </a:solidFill>
+                              <a:latin typeface="Cambria Math" panose="02040503050406030204" pitchFamily="18" charset="0"/>
+                            </a:rPr>
+                          </m:ctrlPr>
+                        </m:dPr>
+                        <m:e>
+                          <m:r>
+                            <a:rPr lang="en-US" b="0" i="1" smtClean="0">
+                              <a:solidFill>
+                                <a:schemeClr val="bg1"/>
+                              </a:solidFill>
+                              <a:latin typeface="Cambria Math" panose="02040503050406030204" pitchFamily="18" charset="0"/>
+                            </a:rPr>
+                            <m:t>𝑡</m:t>
+                          </m:r>
+                          <m:r>
+                            <a:rPr lang="en-US" b="0" i="1" smtClean="0">
+                              <a:solidFill>
+                                <a:schemeClr val="bg1"/>
+                              </a:solidFill>
+                              <a:latin typeface="Cambria Math" panose="02040503050406030204" pitchFamily="18" charset="0"/>
+                            </a:rPr>
+                            <m:t>,</m:t>
+                          </m:r>
+                          <m:r>
+                            <a:rPr lang="en-US" b="0" i="1" smtClean="0">
+                              <a:solidFill>
+                                <a:schemeClr val="bg1"/>
+                              </a:solidFill>
+                              <a:latin typeface="Cambria Math" panose="02040503050406030204" pitchFamily="18" charset="0"/>
+                            </a:rPr>
+                            <m:t>𝐷</m:t>
+                          </m:r>
+                        </m:e>
+                      </m:d>
+                      <m:r>
+                        <a:rPr lang="en-US" b="0" i="1" smtClean="0">
+                          <a:solidFill>
+                            <a:schemeClr val="bg1"/>
+                          </a:solidFill>
+                          <a:latin typeface="Cambria Math" panose="02040503050406030204" pitchFamily="18" charset="0"/>
+                        </a:rPr>
+                        <m:t>=</m:t>
+                      </m:r>
+                      <m:r>
+                        <a:rPr lang="en-US" b="0" i="1" smtClean="0">
+                          <a:solidFill>
+                            <a:schemeClr val="bg1"/>
+                          </a:solidFill>
+                          <a:latin typeface="Cambria Math" panose="02040503050406030204" pitchFamily="18" charset="0"/>
+                        </a:rPr>
+                        <m:t>𝑡𝑓</m:t>
+                      </m:r>
+                      <m:d>
+                        <m:dPr>
+                          <m:ctrlPr>
+                            <a:rPr lang="en-US" b="0" i="1" smtClean="0">
+                              <a:solidFill>
+                                <a:schemeClr val="bg1"/>
+                              </a:solidFill>
+                              <a:latin typeface="Cambria Math" panose="02040503050406030204" pitchFamily="18" charset="0"/>
+                            </a:rPr>
+                          </m:ctrlPr>
+                        </m:dPr>
+                        <m:e>
+                          <m:r>
+                            <a:rPr lang="en-US" b="0" i="1" smtClean="0">
+                              <a:solidFill>
+                                <a:schemeClr val="bg1"/>
+                              </a:solidFill>
+                              <a:latin typeface="Cambria Math" panose="02040503050406030204" pitchFamily="18" charset="0"/>
+                            </a:rPr>
+                            <m:t>𝑡</m:t>
+                          </m:r>
+                          <m:r>
+                            <a:rPr lang="en-US" b="0" i="1" smtClean="0">
+                              <a:solidFill>
+                                <a:schemeClr val="bg1"/>
+                              </a:solidFill>
+                              <a:latin typeface="Cambria Math" panose="02040503050406030204" pitchFamily="18" charset="0"/>
+                            </a:rPr>
+                            <m:t>,</m:t>
+                          </m:r>
+                          <m:r>
+                            <a:rPr lang="en-US" b="0" i="1" smtClean="0">
+                              <a:solidFill>
+                                <a:schemeClr val="bg1"/>
+                              </a:solidFill>
+                              <a:latin typeface="Cambria Math" panose="02040503050406030204" pitchFamily="18" charset="0"/>
+                            </a:rPr>
+                            <m:t>𝑑</m:t>
+                          </m:r>
+                        </m:e>
+                      </m:d>
+                      <m:r>
+                        <a:rPr lang="en-US" b="0" i="1" smtClean="0">
+                          <a:solidFill>
+                            <a:schemeClr val="bg1"/>
+                          </a:solidFill>
+                          <a:latin typeface="Cambria Math" panose="02040503050406030204" pitchFamily="18" charset="0"/>
+                        </a:rPr>
+                        <m:t>∗</m:t>
+                      </m:r>
+                      <m:r>
+                        <a:rPr lang="en-US" b="0" i="1" smtClean="0">
+                          <a:solidFill>
+                            <a:schemeClr val="bg1"/>
+                          </a:solidFill>
+                          <a:latin typeface="Cambria Math" panose="02040503050406030204" pitchFamily="18" charset="0"/>
+                        </a:rPr>
+                        <m:t>𝑖𝑑𝑓</m:t>
+                      </m:r>
+                      <m:r>
+                        <a:rPr lang="en-US" b="0" i="1" smtClean="0">
+                          <a:solidFill>
+                            <a:schemeClr val="bg1"/>
+                          </a:solidFill>
+                          <a:latin typeface="Cambria Math" panose="02040503050406030204" pitchFamily="18" charset="0"/>
+                        </a:rPr>
+                        <m:t>(</m:t>
+                      </m:r>
+                      <m:r>
+                        <a:rPr lang="en-US" b="0" i="1" smtClean="0">
+                          <a:solidFill>
+                            <a:schemeClr val="bg1"/>
+                          </a:solidFill>
+                          <a:latin typeface="Cambria Math" panose="02040503050406030204" pitchFamily="18" charset="0"/>
+                        </a:rPr>
+                        <m:t>𝑡</m:t>
+                      </m:r>
+                      <m:r>
+                        <a:rPr lang="en-US" b="0" i="1" smtClean="0">
+                          <a:solidFill>
+                            <a:schemeClr val="bg1"/>
+                          </a:solidFill>
+                          <a:latin typeface="Cambria Math" panose="02040503050406030204" pitchFamily="18" charset="0"/>
+                        </a:rPr>
+                        <m:t>,</m:t>
+                      </m:r>
+                      <m:r>
+                        <a:rPr lang="en-US" b="0" i="1" smtClean="0">
+                          <a:solidFill>
+                            <a:schemeClr val="bg1"/>
+                          </a:solidFill>
+                          <a:latin typeface="Cambria Math" panose="02040503050406030204" pitchFamily="18" charset="0"/>
+                        </a:rPr>
+                        <m:t>𝐷</m:t>
+                      </m:r>
+                      <m:r>
+                        <a:rPr lang="en-US" b="0" i="1" smtClean="0">
+                          <a:solidFill>
+                            <a:schemeClr val="bg1"/>
+                          </a:solidFill>
+                          <a:latin typeface="Cambria Math" panose="02040503050406030204" pitchFamily="18" charset="0"/>
+                        </a:rPr>
+                        <m:t>)</m:t>
+                      </m:r>
+                    </m:oMath>
+                  </m:oMathPara>
+                </a14:m>
+                <a:endParaRPr lang="en-US" dirty="0">
+                  <a:solidFill>
+                    <a:schemeClr val="bg1"/>
+                  </a:solidFill>
+                </a:endParaRPr>
+              </a:p>
+              <a:p>
+                <a:endParaRPr lang="en-US" dirty="0">
+                  <a:solidFill>
+                    <a:schemeClr val="bg1"/>
+                  </a:solidFill>
+                </a:endParaRPr>
+              </a:p>
+              <a:p>
+                <a:r>
+                  <a:rPr lang="en-US" dirty="0">
+                    <a:solidFill>
+                      <a:schemeClr val="bg1"/>
+                    </a:solidFill>
+                  </a:rPr>
+                  <a:t>where </a:t>
+                </a:r>
+                <a14:m>
+                  <m:oMath xmlns:m="http://schemas.openxmlformats.org/officeDocument/2006/math">
+                    <m:r>
+                      <a:rPr lang="en-US" b="0" i="1" smtClean="0">
+                        <a:solidFill>
+                          <a:schemeClr val="bg1"/>
+                        </a:solidFill>
+                        <a:latin typeface="Cambria Math" panose="02040503050406030204" pitchFamily="18" charset="0"/>
+                      </a:rPr>
+                      <m:t>𝑑</m:t>
+                    </m:r>
+                    <m:r>
+                      <a:rPr lang="en-US" b="0" i="1" smtClean="0">
+                        <a:solidFill>
+                          <a:schemeClr val="bg1"/>
+                        </a:solidFill>
+                        <a:latin typeface="Cambria Math" panose="02040503050406030204" pitchFamily="18" charset="0"/>
+                      </a:rPr>
+                      <m:t> ∈</m:t>
+                    </m:r>
+                    <m:r>
+                      <a:rPr lang="en-US" b="0" i="1" smtClean="0">
+                        <a:solidFill>
+                          <a:schemeClr val="bg1"/>
+                        </a:solidFill>
+                        <a:latin typeface="Cambria Math" panose="02040503050406030204" pitchFamily="18" charset="0"/>
+                        <a:ea typeface="Cambria Math" panose="02040503050406030204" pitchFamily="18" charset="0"/>
+                      </a:rPr>
+                      <m:t>𝐷</m:t>
+                    </m:r>
+                  </m:oMath>
+                </a14:m>
+                <a:endParaRPr lang="en-US" dirty="0">
+                  <a:solidFill>
+                    <a:schemeClr val="bg1"/>
+                  </a:solidFill>
+                </a:endParaRPr>
+              </a:p>
+            </p:txBody>
+          </p:sp>
+        </mc:Choice>
+        <mc:Fallback xmlns="">
+          <p:sp>
+            <p:nvSpPr>
+              <p:cNvPr id="6" name="Rectangle 5">
+                <a:extLst>
+                  <a:ext uri="{FF2B5EF4-FFF2-40B4-BE49-F238E27FC236}">
+                    <a16:creationId xmlns:a16="http://schemas.microsoft.com/office/drawing/2014/main" id="{C0D3EC69-3360-4CDA-81A4-E798FE2CB14C}"/>
+                  </a:ext>
+                </a:extLst>
+              </p:cNvPr>
+              <p:cNvSpPr>
+                <a:spLocks noRot="1" noChangeAspect="1" noMove="1" noResize="1" noEditPoints="1" noAdjustHandles="1" noChangeArrowheads="1" noChangeShapeType="1" noTextEdit="1"/>
+              </p:cNvSpPr>
+              <p:nvPr/>
+            </p:nvSpPr>
+            <p:spPr>
+              <a:xfrm>
+                <a:off x="279794" y="2819791"/>
+                <a:ext cx="5228377" cy="2031325"/>
+              </a:xfrm>
+              <a:prstGeom prst="rect">
+                <a:avLst/>
+              </a:prstGeom>
+              <a:blipFill>
+                <a:blip r:embed="rId2"/>
+                <a:stretch>
+                  <a:fillRect l="-1049" t="-1502" b="-4204"/>
+                </a:stretch>
+              </a:blipFill>
+            </p:spPr>
+            <p:txBody>
+              <a:bodyPr/>
+              <a:lstStyle/>
+              <a:p>
+                <a:r>
+                  <a:rPr lang="en-DK">
+                    <a:noFill/>
+                  </a:rPr>
+                  <a:t> </a:t>
+                </a:r>
+              </a:p>
+            </p:txBody>
+          </p:sp>
+        </mc:Fallback>
+      </mc:AlternateContent>
+      <p:sp>
+        <p:nvSpPr>
+          <p:cNvPr id="7" name="Rectangle 6">
+            <a:extLst>
+              <a:ext uri="{FF2B5EF4-FFF2-40B4-BE49-F238E27FC236}">
+                <a16:creationId xmlns:a16="http://schemas.microsoft.com/office/drawing/2014/main" id="{318EC9E4-C2FE-4366-9A92-F7AD31D9C9EA}"/>
+              </a:ext>
+            </a:extLst>
+          </p:cNvPr>
+          <p:cNvSpPr/>
+          <p:nvPr/>
+        </p:nvSpPr>
+        <p:spPr>
+          <a:xfrm>
+            <a:off x="6344552" y="2254516"/>
+            <a:ext cx="3010632" cy="461665"/>
+          </a:xfrm>
+          <a:prstGeom prst="rect">
+            <a:avLst/>
+          </a:prstGeom>
+        </p:spPr>
+        <p:txBody>
+          <a:bodyPr wrap="none">
+            <a:spAutoFit/>
+          </a:bodyPr>
+          <a:lstStyle/>
+          <a:p>
+            <a:r>
+              <a:rPr lang="en-US" sz="2400" dirty="0">
+                <a:solidFill>
+                  <a:schemeClr val="tx2"/>
+                </a:solidFill>
+              </a:rPr>
+              <a:t>Doc2Vec embedding</a:t>
+            </a:r>
+            <a:endParaRPr lang="ru-RU" sz="2400" dirty="0">
+              <a:solidFill>
+                <a:schemeClr val="tx2"/>
+              </a:solidFill>
+            </a:endParaRPr>
+          </a:p>
+        </p:txBody>
+      </p:sp>
+      <p:sp>
+        <p:nvSpPr>
+          <p:cNvPr id="11" name="Rectangle 10">
+            <a:extLst>
+              <a:ext uri="{FF2B5EF4-FFF2-40B4-BE49-F238E27FC236}">
+                <a16:creationId xmlns:a16="http://schemas.microsoft.com/office/drawing/2014/main" id="{42B00447-7DBF-4BFB-AFEF-82AAAD51B799}"/>
+              </a:ext>
+            </a:extLst>
+          </p:cNvPr>
+          <p:cNvSpPr/>
+          <p:nvPr/>
+        </p:nvSpPr>
+        <p:spPr>
+          <a:xfrm>
+            <a:off x="6344552" y="2721819"/>
+            <a:ext cx="5732219" cy="646331"/>
+          </a:xfrm>
+          <a:prstGeom prst="rect">
+            <a:avLst/>
+          </a:prstGeom>
+        </p:spPr>
+        <p:txBody>
+          <a:bodyPr wrap="square">
+            <a:spAutoFit/>
+          </a:bodyPr>
+          <a:lstStyle/>
+          <a:p>
+            <a:r>
+              <a:rPr lang="en-US" dirty="0">
+                <a:solidFill>
+                  <a:schemeClr val="bg1"/>
+                </a:solidFill>
+              </a:rPr>
+              <a:t>Learns latent space similar to autoencoder by predicting context of the document</a:t>
+            </a:r>
+          </a:p>
+        </p:txBody>
+      </p:sp>
+      <p:pic>
+        <p:nvPicPr>
+          <p:cNvPr id="13" name="Picture 12" descr="A close up of a map&#10;&#10;Description automatically generated">
+            <a:extLst>
+              <a:ext uri="{FF2B5EF4-FFF2-40B4-BE49-F238E27FC236}">
+                <a16:creationId xmlns:a16="http://schemas.microsoft.com/office/drawing/2014/main" id="{C72E9B86-A905-4FC2-8A86-6CB4C04FDABE}"/>
+              </a:ext>
+            </a:extLst>
+          </p:cNvPr>
+          <p:cNvPicPr>
+            <a:picLocks noChangeAspect="1"/>
+          </p:cNvPicPr>
+          <p:nvPr/>
+        </p:nvPicPr>
+        <p:blipFill>
+          <a:blip r:embed="rId3"/>
+          <a:stretch>
+            <a:fillRect/>
+          </a:stretch>
+        </p:blipFill>
+        <p:spPr>
+          <a:xfrm>
+            <a:off x="6344552" y="3843689"/>
+            <a:ext cx="5178903" cy="1683143"/>
+          </a:xfrm>
+          <a:prstGeom prst="rect">
+            <a:avLst/>
+          </a:prstGeom>
+        </p:spPr>
+      </p:pic>
     </p:spTree>
     <p:extLst>
       <p:ext uri="{BB962C8B-B14F-4D97-AF65-F5344CB8AC3E}">
-        <p14:creationId xmlns:p14="http://schemas.microsoft.com/office/powerpoint/2010/main" val="1566818594"/>
+        <p14:creationId xmlns:p14="http://schemas.microsoft.com/office/powerpoint/2010/main" val="2720329478"/>
       </p:ext>
     </p:extLst>
   </p:cSld>
@@ -14753,7 +15226,7 @@
           <a:p>
             <a:r>
               <a:rPr lang="en-US" dirty="0"/>
-              <a:t>Peter’s part </a:t>
+              <a:t>Clustering </a:t>
             </a:r>
             <a:endParaRPr lang="ru-RU" dirty="0"/>
           </a:p>
@@ -14787,7 +15260,7 @@
           <a:p>
             <a:r>
               <a:rPr lang="en-US" dirty="0"/>
-              <a:t>….</a:t>
+              <a:t>…..</a:t>
             </a:r>
             <a:endParaRPr lang="ru-RU" dirty="0"/>
           </a:p>
@@ -14826,7 +15299,7 @@
     </p:spTree>
     <p:extLst>
       <p:ext uri="{BB962C8B-B14F-4D97-AF65-F5344CB8AC3E}">
-        <p14:creationId xmlns:p14="http://schemas.microsoft.com/office/powerpoint/2010/main" val="2720329478"/>
+        <p14:creationId xmlns:p14="http://schemas.microsoft.com/office/powerpoint/2010/main" val="1566818594"/>
       </p:ext>
     </p:extLst>
   </p:cSld>
